--- a/files/how-to-write-good-code introduction slides.pptx
+++ b/files/how-to-write-good-code introduction slides.pptx
@@ -230,7 +230,7 @@
           <a:p>
             <a:fld id="{FE4833CD-BD81-1E4C-8B73-C6C939F9FC25}" type="datetimeFigureOut">
               <a:rPr lang="en-NL" smtClean="0"/>
-              <a:t>17/02/2022</a:t>
+              <a:t>17/08/2022</a:t>
             </a:fld>
             <a:endParaRPr lang="en-NL"/>
           </a:p>
@@ -663,7 +663,7 @@
           <a:p>
             <a:fld id="{EA730EFB-AB28-4A68-9CF2-24FEA7CF3D98}" type="datetimeFigureOut">
               <a:rPr lang="en-US" smtClean="0"/>
-              <a:t>2/17/22</a:t>
+              <a:t>8/17/22</a:t>
             </a:fld>
             <a:endParaRPr lang="en-US"/>
           </a:p>
@@ -875,7 +875,7 @@
           <a:p>
             <a:fld id="{EA730EFB-AB28-4A68-9CF2-24FEA7CF3D98}" type="datetimeFigureOut">
               <a:rPr lang="en-US" smtClean="0"/>
-              <a:t>2/17/22</a:t>
+              <a:t>8/17/22</a:t>
             </a:fld>
             <a:endParaRPr lang="en-US"/>
           </a:p>
@@ -1113,7 +1113,7 @@
           <a:p>
             <a:fld id="{EA730EFB-AB28-4A68-9CF2-24FEA7CF3D98}" type="datetimeFigureOut">
               <a:rPr lang="en-US" smtClean="0"/>
-              <a:t>2/17/22</a:t>
+              <a:t>8/17/22</a:t>
             </a:fld>
             <a:endParaRPr lang="en-US"/>
           </a:p>
@@ -1477,7 +1477,7 @@
           <a:p>
             <a:fld id="{EA730EFB-AB28-4A68-9CF2-24FEA7CF3D98}" type="datetimeFigureOut">
               <a:rPr lang="en-US" smtClean="0"/>
-              <a:t>2/17/22</a:t>
+              <a:t>8/17/22</a:t>
             </a:fld>
             <a:endParaRPr lang="en-US"/>
           </a:p>
@@ -2471,7 +2471,7 @@
           <a:p>
             <a:fld id="{EA730EFB-AB28-4A68-9CF2-24FEA7CF3D98}" type="datetimeFigureOut">
               <a:rPr lang="en-US" smtClean="0"/>
-              <a:t>2/17/22</a:t>
+              <a:t>8/17/22</a:t>
             </a:fld>
             <a:endParaRPr lang="en-US"/>
           </a:p>
@@ -2658,7 +2658,7 @@
           <a:p>
             <a:fld id="{EA730EFB-AB28-4A68-9CF2-24FEA7CF3D98}" type="datetimeFigureOut">
               <a:rPr lang="en-US" smtClean="0"/>
-              <a:t>2/17/22</a:t>
+              <a:t>8/17/22</a:t>
             </a:fld>
             <a:endParaRPr lang="en-US"/>
           </a:p>
@@ -2896,7 +2896,7 @@
           <a:p>
             <a:fld id="{EA730EFB-AB28-4A68-9CF2-24FEA7CF3D98}" type="datetimeFigureOut">
               <a:rPr lang="en-US" smtClean="0"/>
-              <a:t>2/17/22</a:t>
+              <a:t>8/17/22</a:t>
             </a:fld>
             <a:endParaRPr lang="en-US"/>
           </a:p>
@@ -3134,7 +3134,7 @@
           <a:p>
             <a:fld id="{EA730EFB-AB28-4A68-9CF2-24FEA7CF3D98}" type="datetimeFigureOut">
               <a:rPr lang="en-US" smtClean="0"/>
-              <a:t>2/17/22</a:t>
+              <a:t>8/17/22</a:t>
             </a:fld>
             <a:endParaRPr lang="en-US"/>
           </a:p>
@@ -3527,7 +3527,7 @@
           <a:p>
             <a:fld id="{EA730EFB-AB28-4A68-9CF2-24FEA7CF3D98}" type="datetimeFigureOut">
               <a:rPr lang="en-US" smtClean="0"/>
-              <a:t>2/17/22</a:t>
+              <a:t>8/17/22</a:t>
             </a:fld>
             <a:endParaRPr lang="en-US"/>
           </a:p>
@@ -3901,7 +3901,7 @@
           <a:p>
             <a:fld id="{EA730EFB-AB28-4A68-9CF2-24FEA7CF3D98}" type="datetimeFigureOut">
               <a:rPr lang="en-US" smtClean="0"/>
-              <a:t>2/17/22</a:t>
+              <a:t>8/17/22</a:t>
             </a:fld>
             <a:endParaRPr lang="en-US"/>
           </a:p>
@@ -4293,7 +4293,7 @@
           <a:p>
             <a:fld id="{EA730EFB-AB28-4A68-9CF2-24FEA7CF3D98}" type="datetimeFigureOut">
               <a:rPr lang="en-US" smtClean="0"/>
-              <a:t>2/17/22</a:t>
+              <a:t>8/17/22</a:t>
             </a:fld>
             <a:endParaRPr lang="en-US"/>
           </a:p>
@@ -4505,7 +4505,7 @@
           <a:p>
             <a:fld id="{EA730EFB-AB28-4A68-9CF2-24FEA7CF3D98}" type="datetimeFigureOut">
               <a:rPr lang="en-US" smtClean="0"/>
-              <a:t>2/17/22</a:t>
+              <a:t>8/17/22</a:t>
             </a:fld>
             <a:endParaRPr lang="en-US"/>
           </a:p>
@@ -4711,7 +4711,7 @@
           <a:p>
             <a:fld id="{EA730EFB-AB28-4A68-9CF2-24FEA7CF3D98}" type="datetimeFigureOut">
               <a:rPr lang="en-US" smtClean="0"/>
-              <a:t>2/17/22</a:t>
+              <a:t>8/17/22</a:t>
             </a:fld>
             <a:endParaRPr lang="en-US"/>
           </a:p>
@@ -4923,7 +4923,7 @@
           <a:p>
             <a:fld id="{EA730EFB-AB28-4A68-9CF2-24FEA7CF3D98}" type="datetimeFigureOut">
               <a:rPr lang="en-US" smtClean="0"/>
-              <a:t>2/17/22</a:t>
+              <a:t>8/17/22</a:t>
             </a:fld>
             <a:endParaRPr lang="en-US"/>
           </a:p>
@@ -5173,7 +5173,7 @@
           <a:p>
             <a:fld id="{EA730EFB-AB28-4A68-9CF2-24FEA7CF3D98}" type="datetimeFigureOut">
               <a:rPr lang="en-US" smtClean="0"/>
-              <a:t>2/17/22</a:t>
+              <a:t>8/17/22</a:t>
             </a:fld>
             <a:endParaRPr lang="en-US"/>
           </a:p>
@@ -7084,6 +7084,41 @@
 </file>
 
 <file path=customXml/item1.xml><?xml version="1.0" encoding="utf-8"?>
+<p:properties xmlns:p="http://schemas.microsoft.com/office/2006/metadata/properties" xmlns:xsi="http://www.w3.org/2001/XMLSchema-instance" xmlns:pc="http://schemas.microsoft.com/office/infopath/2007/PartnerControls">
+  <documentManagement>
+    <SharedWithUsers xmlns="26898810-f9b9-406f-8188-8f8f7cdf5520">
+      <UserInfo>
+        <DisplayName>Vliet, M.H.M. van (PHEG)</DisplayName>
+        <AccountId>165</AccountId>
+        <AccountType/>
+      </UserInfo>
+      <UserInfo>
+        <DisplayName>Kristell</DisplayName>
+        <AccountId>51</AccountId>
+        <AccountType/>
+      </UserInfo>
+      <UserInfo>
+        <DisplayName>Nele Albers</DisplayName>
+        <AccountId>126</AccountId>
+        <AccountType/>
+      </UserInfo>
+      <UserInfo>
+        <DisplayName>Bouke Scheltinga</DisplayName>
+        <AccountId>143</AccountId>
+        <AccountType/>
+      </UserInfo>
+      <UserInfo>
+        <DisplayName>Djura Smits</DisplayName>
+        <AccountId>16</AccountId>
+        <AccountType/>
+      </UserInfo>
+    </SharedWithUsers>
+    <MediaLengthInSeconds xmlns="af34c8a9-9806-44d6-aa44-d772f2793323" xsi:nil="true"/>
+  </documentManagement>
+</p:properties>
+</file>
+
+<file path=customXml/item2.xml><?xml version="1.0" encoding="utf-8"?>
 <ct:contentTypeSchema xmlns:ct="http://schemas.microsoft.com/office/2006/metadata/contentType" xmlns:ma="http://schemas.microsoft.com/office/2006/metadata/properties/metaAttributes" ct:_="" ma:_="" ma:contentTypeName="Document" ma:contentTypeID="0x01010097164C23EC47024F97AA423E75479F12" ma:contentTypeVersion="13" ma:contentTypeDescription="Create a new document." ma:contentTypeScope="" ma:versionID="1c37ccf16b58e51c5c367e9bb2871beb">
   <xsd:schema xmlns:xsd="http://www.w3.org/2001/XMLSchema" xmlns:xs="http://www.w3.org/2001/XMLSchema" xmlns:p="http://schemas.microsoft.com/office/2006/metadata/properties" xmlns:ns2="af34c8a9-9806-44d6-aa44-d772f2793323" xmlns:ns3="26898810-f9b9-406f-8188-8f8f7cdf5520" targetNamespace="http://schemas.microsoft.com/office/2006/metadata/properties" ma:root="true" ma:fieldsID="3a8e0ead1a3c3375a971a978dcef1dd9" ns2:_="" ns3:_="">
     <xsd:import namespace="af34c8a9-9806-44d6-aa44-d772f2793323"/>
@@ -7306,41 +7341,6 @@
 </ct:contentTypeSchema>
 </file>
 
-<file path=customXml/item2.xml><?xml version="1.0" encoding="utf-8"?>
-<p:properties xmlns:p="http://schemas.microsoft.com/office/2006/metadata/properties" xmlns:xsi="http://www.w3.org/2001/XMLSchema-instance" xmlns:pc="http://schemas.microsoft.com/office/infopath/2007/PartnerControls">
-  <documentManagement>
-    <SharedWithUsers xmlns="26898810-f9b9-406f-8188-8f8f7cdf5520">
-      <UserInfo>
-        <DisplayName>Vliet, M.H.M. van (PHEG)</DisplayName>
-        <AccountId>165</AccountId>
-        <AccountType/>
-      </UserInfo>
-      <UserInfo>
-        <DisplayName>Kristell</DisplayName>
-        <AccountId>51</AccountId>
-        <AccountType/>
-      </UserInfo>
-      <UserInfo>
-        <DisplayName>Nele Albers</DisplayName>
-        <AccountId>126</AccountId>
-        <AccountType/>
-      </UserInfo>
-      <UserInfo>
-        <DisplayName>Bouke Scheltinga</DisplayName>
-        <AccountId>143</AccountId>
-        <AccountType/>
-      </UserInfo>
-      <UserInfo>
-        <DisplayName>Djura Smits</DisplayName>
-        <AccountId>16</AccountId>
-        <AccountType/>
-      </UserInfo>
-    </SharedWithUsers>
-    <MediaLengthInSeconds xmlns="af34c8a9-9806-44d6-aa44-d772f2793323" xsi:nil="true"/>
-  </documentManagement>
-</p:properties>
-</file>
-
 <file path=customXml/item3.xml><?xml version="1.0" encoding="utf-8"?>
 <?mso-contentType ?>
 <FormTemplates xmlns="http://schemas.microsoft.com/sharepoint/v3/contenttype/forms">
@@ -7351,6 +7351,23 @@
 </file>
 
 <file path=customXml/itemProps1.xml><?xml version="1.0" encoding="utf-8"?>
+<ds:datastoreItem xmlns:ds="http://schemas.openxmlformats.org/officeDocument/2006/customXml" ds:itemID="{70FF6FBF-B4F4-49AD-A88B-091F94ABFAFA}">
+  <ds:schemaRefs>
+    <ds:schemaRef ds:uri="http://schemas.microsoft.com/office/2006/documentManagement/types"/>
+    <ds:schemaRef ds:uri="af34c8a9-9806-44d6-aa44-d772f2793323"/>
+    <ds:schemaRef ds:uri="http://purl.org/dc/terms/"/>
+    <ds:schemaRef ds:uri="http://www.w3.org/XML/1998/namespace"/>
+    <ds:schemaRef ds:uri="http://schemas.microsoft.com/office/infopath/2007/PartnerControls"/>
+    <ds:schemaRef ds:uri="http://schemas.microsoft.com/office/2006/metadata/properties"/>
+    <ds:schemaRef ds:uri="http://schemas.openxmlformats.org/package/2006/metadata/core-properties"/>
+    <ds:schemaRef ds:uri="26898810-f9b9-406f-8188-8f8f7cdf5520"/>
+    <ds:schemaRef ds:uri="http://purl.org/dc/dcmitype/"/>
+    <ds:schemaRef ds:uri="http://purl.org/dc/elements/1.1/"/>
+  </ds:schemaRefs>
+</ds:datastoreItem>
+</file>
+
+<file path=customXml/itemProps2.xml><?xml version="1.0" encoding="utf-8"?>
 <ds:datastoreItem xmlns:ds="http://schemas.openxmlformats.org/officeDocument/2006/customXml" ds:itemID="{A5D589B7-DDAC-481C-A7B6-75A4EB97D6BA}">
   <ds:schemaRefs>
     <ds:schemaRef ds:uri="26898810-f9b9-406f-8188-8f8f7cdf5520"/>
@@ -7369,23 +7386,6 @@
 </ds:datastoreItem>
 </file>
 
-<file path=customXml/itemProps2.xml><?xml version="1.0" encoding="utf-8"?>
-<ds:datastoreItem xmlns:ds="http://schemas.openxmlformats.org/officeDocument/2006/customXml" ds:itemID="{70FF6FBF-B4F4-49AD-A88B-091F94ABFAFA}">
-  <ds:schemaRefs>
-    <ds:schemaRef ds:uri="http://schemas.microsoft.com/office/2006/documentManagement/types"/>
-    <ds:schemaRef ds:uri="af34c8a9-9806-44d6-aa44-d772f2793323"/>
-    <ds:schemaRef ds:uri="http://purl.org/dc/terms/"/>
-    <ds:schemaRef ds:uri="http://www.w3.org/XML/1998/namespace"/>
-    <ds:schemaRef ds:uri="http://schemas.microsoft.com/office/infopath/2007/PartnerControls"/>
-    <ds:schemaRef ds:uri="http://schemas.microsoft.com/office/2006/metadata/properties"/>
-    <ds:schemaRef ds:uri="http://schemas.openxmlformats.org/package/2006/metadata/core-properties"/>
-    <ds:schemaRef ds:uri="26898810-f9b9-406f-8188-8f8f7cdf5520"/>
-    <ds:schemaRef ds:uri="http://purl.org/dc/dcmitype/"/>
-    <ds:schemaRef ds:uri="http://purl.org/dc/elements/1.1/"/>
-  </ds:schemaRefs>
-</ds:datastoreItem>
-</file>
-
 <file path=customXml/itemProps3.xml><?xml version="1.0" encoding="utf-8"?>
 <ds:datastoreItem xmlns:ds="http://schemas.openxmlformats.org/officeDocument/2006/customXml" ds:itemID="{B72CECC3-7DC2-48A3-A34C-CF77ADEDD298}">
   <ds:schemaRefs>
